--- a/Algoritmi de sortare a sirurilor de numere naturale.pptx
+++ b/Algoritmi de sortare a sirurilor de numere naturale.pptx
@@ -6054,6 +6054,13 @@
   <p:clrMapOvr>
     <a:masterClrMapping/>
   </p:clrMapOvr>
+  <p:timing>
+    <p:tnLst>
+      <p:par>
+        <p:cTn id="1" dur="indefinite" restart="never" nodeType="tmRoot"/>
+      </p:par>
+    </p:tnLst>
+  </p:timing>
 </p:sld>
 </file>
 
@@ -6387,6 +6394,13 @@
   <p:clrMapOvr>
     <a:masterClrMapping/>
   </p:clrMapOvr>
+  <p:timing>
+    <p:tnLst>
+      <p:par>
+        <p:cTn id="1" dur="indefinite" restart="never" nodeType="tmRoot"/>
+      </p:par>
+    </p:tnLst>
+  </p:timing>
 </p:sld>
 </file>
 
@@ -6723,6 +6737,13 @@
   <p:clrMapOvr>
     <a:masterClrMapping/>
   </p:clrMapOvr>
+  <p:timing>
+    <p:tnLst>
+      <p:par>
+        <p:cTn id="1" dur="indefinite" restart="never" nodeType="tmRoot"/>
+      </p:par>
+    </p:tnLst>
+  </p:timing>
 </p:sld>
 </file>
 
@@ -7045,6 +7066,13 @@
   <p:clrMapOvr>
     <a:masterClrMapping/>
   </p:clrMapOvr>
+  <p:timing>
+    <p:tnLst>
+      <p:par>
+        <p:cTn id="1" dur="indefinite" restart="never" nodeType="tmRoot"/>
+      </p:par>
+    </p:tnLst>
+  </p:timing>
 </p:sld>
 </file>
 
@@ -7150,15 +7178,11 @@
             </a:r>
             <a:r>
               <a:rPr lang="en-US" dirty="0"/>
-              <a:t>: O(</a:t>
-            </a:r>
-            <a:r>
-              <a:rPr lang="en-US" dirty="0" err="1"/>
-              <a:t>maxVal</a:t>
-            </a:r>
-            <a:r>
-              <a:rPr lang="en-US" dirty="0"/>
-              <a:t>) </a:t>
+              <a:t>: </a:t>
+            </a:r>
+            <a:r>
+              <a:rPr lang="en-US" dirty="0" smtClean="0"/>
+              <a:t>O(log(n)) </a:t>
             </a:r>
             <a:r>
               <a:rPr lang="en-US" dirty="0" err="1"/>
@@ -7326,6 +7350,13 @@
   <p:clrMapOvr>
     <a:masterClrMapping/>
   </p:clrMapOvr>
+  <p:timing>
+    <p:tnLst>
+      <p:par>
+        <p:cTn id="1" dur="indefinite" restart="never" nodeType="tmRoot"/>
+      </p:par>
+    </p:tnLst>
+  </p:timing>
 </p:sld>
 </file>
 
@@ -7680,6 +7711,13 @@
   <p:clrMapOvr>
     <a:masterClrMapping/>
   </p:clrMapOvr>
+  <p:timing>
+    <p:tnLst>
+      <p:par>
+        <p:cTn id="1" dur="indefinite" restart="never" nodeType="tmRoot"/>
+      </p:par>
+    </p:tnLst>
+  </p:timing>
 </p:sld>
 </file>
 
@@ -8141,6 +8179,13 @@
   <p:clrMapOvr>
     <a:masterClrMapping/>
   </p:clrMapOvr>
+  <p:timing>
+    <p:tnLst>
+      <p:par>
+        <p:cTn id="1" dur="indefinite" restart="never" nodeType="tmRoot"/>
+      </p:par>
+    </p:tnLst>
+  </p:timing>
 </p:sld>
 </file>
 
@@ -8550,11 +8595,11 @@
               <a:t> </a:t>
             </a:r>
             <a:r>
-              <a:rPr lang="en-US" dirty="0" err="1"/>
-              <a:t>existentei</a:t>
-            </a:r>
-            <a:r>
-              <a:rPr lang="en-US" dirty="0"/>
+              <a:rPr lang="en-US" dirty="0" err="1" smtClean="0"/>
+              <a:t>generarii</a:t>
+            </a:r>
+            <a:r>
+              <a:rPr lang="en-US" dirty="0" smtClean="0"/>
               <a:t> </a:t>
             </a:r>
             <a:r>
@@ -8615,6 +8660,13 @@
   <p:clrMapOvr>
     <a:masterClrMapping/>
   </p:clrMapOvr>
+  <p:timing>
+    <p:tnLst>
+      <p:par>
+        <p:cTn id="1" dur="indefinite" restart="never" nodeType="tmRoot"/>
+      </p:par>
+    </p:tnLst>
+  </p:timing>
 </p:sld>
 </file>
 
@@ -8906,14 +8958,9 @@
               <a:t>aici</a:t>
             </a:r>
             <a:r>
-              <a:rPr lang="en-US"/>
-              <a:t>: </a:t>
-            </a:r>
-            <a:r>
-              <a:rPr lang="en-US"/>
-              <a:t>https://drive.google.com/drive/folders/1xUIEhFpyTSY3VqthjiG-1UoC44qPAdQV?usp=sharing</a:t>
-            </a:r>
-            <a:endParaRPr lang="en-US" dirty="0"/>
+              <a:rPr lang="en-US" dirty="0"/>
+              <a:t>: https://drive.google.com/drive/folders/1xUIEhFpyTSY3VqthjiG-1UoC44qPAdQV?usp=sharing</a:t>
+            </a:r>
           </a:p>
         </p:txBody>
       </p:sp>
@@ -8927,6 +8974,13 @@
   <p:clrMapOvr>
     <a:masterClrMapping/>
   </p:clrMapOvr>
+  <p:timing>
+    <p:tnLst>
+      <p:par>
+        <p:cTn id="1" dur="indefinite" restart="never" nodeType="tmRoot"/>
+      </p:par>
+    </p:tnLst>
+  </p:timing>
 </p:sld>
 </file>
 
@@ -9115,6 +9169,13 @@
   <p:clrMapOvr>
     <a:masterClrMapping/>
   </p:clrMapOvr>
+  <p:timing>
+    <p:tnLst>
+      <p:par>
+        <p:cTn id="1" dur="indefinite" restart="never" nodeType="tmRoot"/>
+      </p:par>
+    </p:tnLst>
+  </p:timing>
 </p:sld>
 </file>
 
@@ -9752,19 +9813,19 @@
             </a:r>
             <a:r>
               <a:rPr lang="en-US" dirty="0" smtClean="0"/>
-              <a:t>9: </a:t>
-            </a:r>
-            <a:r>
-              <a:rPr lang="en-US" dirty="0"/>
-              <a:t>n=</a:t>
-            </a:r>
-            <a:r>
-              <a:rPr lang="en-US" dirty="0" err="1"/>
+              <a:t>9: n=1000000, </a:t>
+            </a:r>
+            <a:r>
+              <a:rPr lang="en-US" dirty="0" err="1" smtClean="0"/>
               <a:t>maxVal</a:t>
             </a:r>
             <a:r>
-              <a:rPr lang="en-US" dirty="0"/>
-              <a:t>=1000, </a:t>
+              <a:rPr lang="en-US" dirty="0" smtClean="0"/>
+              <a:t>=1000</a:t>
+            </a:r>
+            <a:r>
+              <a:rPr lang="en-US" dirty="0"/>
+              <a:t>, </a:t>
             </a:r>
             <a:r>
               <a:rPr lang="en-US" dirty="0" err="1"/>
@@ -9848,11 +9909,7 @@
             </a:r>
             <a:r>
               <a:rPr lang="en-US" dirty="0" smtClean="0"/>
-              <a:t>11: </a:t>
-            </a:r>
-            <a:r>
-              <a:rPr lang="en-US" dirty="0"/>
-              <a:t>n=1000, </a:t>
+              <a:t>11: n=1000000, </a:t>
             </a:r>
             <a:r>
               <a:rPr lang="en-US" dirty="0" err="1"/>
@@ -9902,6 +9959,13 @@
   <p:clrMapOvr>
     <a:masterClrMapping/>
   </p:clrMapOvr>
+  <p:timing>
+    <p:tnLst>
+      <p:par>
+        <p:cTn id="1" dur="indefinite" restart="never" nodeType="tmRoot"/>
+      </p:par>
+    </p:tnLst>
+  </p:timing>
 </p:sld>
 </file>
 
@@ -10504,6 +10568,13 @@
   <p:clrMapOvr>
     <a:masterClrMapping/>
   </p:clrMapOvr>
+  <p:timing>
+    <p:tnLst>
+      <p:par>
+        <p:cTn id="1" dur="indefinite" restart="never" nodeType="tmRoot"/>
+      </p:par>
+    </p:tnLst>
+  </p:timing>
 </p:sld>
 </file>
 
@@ -10799,6 +10870,13 @@
   <p:clrMapOvr>
     <a:masterClrMapping/>
   </p:clrMapOvr>
+  <p:timing>
+    <p:tnLst>
+      <p:par>
+        <p:cTn id="1" dur="indefinite" restart="never" nodeType="tmRoot"/>
+      </p:par>
+    </p:tnLst>
+  </p:timing>
 </p:sld>
 </file>
 
@@ -11122,6 +11200,13 @@
   <p:clrMapOvr>
     <a:masterClrMapping/>
   </p:clrMapOvr>
+  <p:timing>
+    <p:tnLst>
+      <p:par>
+        <p:cTn id="1" dur="indefinite" restart="never" nodeType="tmRoot"/>
+      </p:par>
+    </p:tnLst>
+  </p:timing>
 </p:sld>
 </file>
 
@@ -11435,6 +11520,13 @@
   <p:clrMapOvr>
     <a:masterClrMapping/>
   </p:clrMapOvr>
+  <p:timing>
+    <p:tnLst>
+      <p:par>
+        <p:cTn id="1" dur="indefinite" restart="never" nodeType="tmRoot"/>
+      </p:par>
+    </p:tnLst>
+  </p:timing>
 </p:sld>
 </file>
 
@@ -11734,6 +11826,13 @@
   <p:clrMapOvr>
     <a:masterClrMapping/>
   </p:clrMapOvr>
+  <p:timing>
+    <p:tnLst>
+      <p:par>
+        <p:cTn id="1" dur="indefinite" restart="never" nodeType="tmRoot"/>
+      </p:par>
+    </p:tnLst>
+  </p:timing>
 </p:sld>
 </file>
 
@@ -12044,6 +12143,13 @@
   <p:clrMapOvr>
     <a:masterClrMapping/>
   </p:clrMapOvr>
+  <p:timing>
+    <p:tnLst>
+      <p:par>
+        <p:cTn id="1" dur="indefinite" restart="never" nodeType="tmRoot"/>
+      </p:par>
+    </p:tnLst>
+  </p:timing>
 </p:sld>
 </file>
 
